--- a/Presidential Campaigns.pptx
+++ b/Presidential Campaigns.pptx
@@ -5,7 +5,7 @@
     <p:sldMasterId id="2147483648" r:id="rId1"/>
   </p:sldMasterIdLst>
   <p:notesMasterIdLst>
-    <p:notesMasterId r:id="rId13"/>
+    <p:notesMasterId r:id="rId16"/>
   </p:notesMasterIdLst>
   <p:sldIdLst>
     <p:sldId id="256" r:id="rId2"/>
@@ -19,6 +19,9 @@
     <p:sldId id="266" r:id="rId10"/>
     <p:sldId id="267" r:id="rId11"/>
     <p:sldId id="268" r:id="rId12"/>
+    <p:sldId id="269" r:id="rId13"/>
+    <p:sldId id="270" r:id="rId14"/>
+    <p:sldId id="271" r:id="rId15"/>
   </p:sldIdLst>
   <p:sldSz cx="12192000" cy="6858000"/>
   <p:notesSz cx="6858000" cy="9144000"/>
@@ -716,13 +719,23 @@
             </a:r>
             <a:r>
               <a:rPr lang="en-US" baseline="0" dirty="0" smtClean="0"/>
-              <a:t> such as Ohio </a:t>
-            </a:r>
-            <a:r>
-              <a:rPr lang="en-US" baseline="0" smtClean="0"/>
-              <a:t>and Florida</a:t>
-            </a:r>
-            <a:endParaRPr lang="en-US"/>
+              <a:t> such as Ohio and Florida</a:t>
+            </a:r>
+          </a:p>
+          <a:p>
+            <a:r>
+              <a:rPr lang="en-US" baseline="0" dirty="0" smtClean="0"/>
+              <a:t>Interaction between transform (</a:t>
+            </a:r>
+            <a:r>
+              <a:rPr lang="en-US" baseline="0" dirty="0" err="1" smtClean="0"/>
+              <a:t>swinginess</a:t>
+            </a:r>
+            <a:r>
+              <a:rPr lang="en-US" baseline="0" dirty="0" smtClean="0"/>
+              <a:t>) and electoral votes</a:t>
+            </a:r>
+            <a:endParaRPr lang="en-US" dirty="0"/>
           </a:p>
         </p:txBody>
       </p:sp>
@@ -3853,8 +3866,41 @@
           <a:p>
             <a:r>
               <a:rPr lang="en-US" dirty="0" smtClean="0"/>
-              <a:t>Correlation with transform: 61%</a:t>
-            </a:r>
+              <a:t>Correlation against </a:t>
+            </a:r>
+            <a:r>
+              <a:rPr lang="en-US" dirty="0" err="1" smtClean="0"/>
+              <a:t>swinginess</a:t>
+            </a:r>
+            <a:r>
+              <a:rPr lang="en-US" dirty="0" smtClean="0"/>
+              <a:t>: 62%</a:t>
+            </a:r>
+          </a:p>
+          <a:p>
+            <a:r>
+              <a:rPr lang="en-US" dirty="0" smtClean="0"/>
+              <a:t>Correlation against electoral votes: 31%</a:t>
+            </a:r>
+          </a:p>
+          <a:p>
+            <a:r>
+              <a:rPr lang="en-US" dirty="0" smtClean="0"/>
+              <a:t>Correlation against interaction: 99%</a:t>
+            </a:r>
+          </a:p>
+          <a:p>
+            <a:pPr lvl="1"/>
+            <a:r>
+              <a:rPr lang="en-US" smtClean="0"/>
+              <a:t>Clearly, both matter</a:t>
+            </a:r>
+            <a:endParaRPr lang="en-US" dirty="0" smtClean="0"/>
+          </a:p>
+          <a:p>
+            <a:pPr marL="0" indent="0">
+              <a:buNone/>
+            </a:pPr>
             <a:endParaRPr lang="en-US" dirty="0"/>
           </a:p>
         </p:txBody>
@@ -3863,6 +3909,278 @@
     <p:extLst>
       <p:ext uri="{BB962C8B-B14F-4D97-AF65-F5344CB8AC3E}">
         <p14:creationId xmlns:p14="http://schemas.microsoft.com/office/powerpoint/2010/main" val="233951857"/>
+      </p:ext>
+    </p:extLst>
+  </p:cSld>
+  <p:clrMapOvr>
+    <a:masterClrMapping/>
+  </p:clrMapOvr>
+  <p:timing>
+    <p:tnLst>
+      <p:par>
+        <p:cTn id="1" dur="indefinite" restart="never" nodeType="tmRoot"/>
+      </p:par>
+    </p:tnLst>
+  </p:timing>
+</p:sld>
+</file>
+
+<file path=ppt/slides/slide12.xml><?xml version="1.0" encoding="utf-8"?>
+<p:sld xmlns:a="http://schemas.openxmlformats.org/drawingml/2006/main" xmlns:r="http://schemas.openxmlformats.org/officeDocument/2006/relationships" xmlns:p="http://schemas.openxmlformats.org/presentationml/2006/main">
+  <p:cSld>
+    <p:spTree>
+      <p:nvGrpSpPr>
+        <p:cNvPr id="1" name=""/>
+        <p:cNvGrpSpPr/>
+        <p:nvPr/>
+      </p:nvGrpSpPr>
+      <p:grpSpPr>
+        <a:xfrm>
+          <a:off x="0" y="0"/>
+          <a:ext cx="0" cy="0"/>
+          <a:chOff x="0" y="0"/>
+          <a:chExt cx="0" cy="0"/>
+        </a:xfrm>
+      </p:grpSpPr>
+      <p:sp>
+        <p:nvSpPr>
+          <p:cNvPr id="2" name="Title 1"/>
+          <p:cNvSpPr>
+            <a:spLocks noGrp="1"/>
+          </p:cNvSpPr>
+          <p:nvPr>
+            <p:ph type="title"/>
+          </p:nvPr>
+        </p:nvSpPr>
+        <p:spPr/>
+        <p:txBody>
+          <a:bodyPr/>
+          <a:lstStyle/>
+          <a:p>
+            <a:endParaRPr lang="en-US"/>
+          </a:p>
+        </p:txBody>
+      </p:sp>
+      <p:sp>
+        <p:nvSpPr>
+          <p:cNvPr id="3" name="Content Placeholder 2"/>
+          <p:cNvSpPr>
+            <a:spLocks noGrp="1"/>
+          </p:cNvSpPr>
+          <p:nvPr>
+            <p:ph idx="1"/>
+          </p:nvPr>
+        </p:nvSpPr>
+        <p:spPr/>
+        <p:txBody>
+          <a:bodyPr/>
+          <a:lstStyle/>
+          <a:p>
+            <a:endParaRPr lang="en-US"/>
+          </a:p>
+        </p:txBody>
+      </p:sp>
+    </p:spTree>
+    <p:extLst>
+      <p:ext uri="{BB962C8B-B14F-4D97-AF65-F5344CB8AC3E}">
+        <p14:creationId xmlns:p14="http://schemas.microsoft.com/office/powerpoint/2010/main" val="1053919179"/>
+      </p:ext>
+    </p:extLst>
+  </p:cSld>
+  <p:clrMapOvr>
+    <a:masterClrMapping/>
+  </p:clrMapOvr>
+  <p:timing>
+    <p:tnLst>
+      <p:par>
+        <p:cTn id="1" dur="indefinite" restart="never" nodeType="tmRoot"/>
+      </p:par>
+    </p:tnLst>
+  </p:timing>
+</p:sld>
+</file>
+
+<file path=ppt/slides/slide13.xml><?xml version="1.0" encoding="utf-8"?>
+<p:sld xmlns:a="http://schemas.openxmlformats.org/drawingml/2006/main" xmlns:r="http://schemas.openxmlformats.org/officeDocument/2006/relationships" xmlns:p="http://schemas.openxmlformats.org/presentationml/2006/main">
+  <p:cSld>
+    <p:spTree>
+      <p:nvGrpSpPr>
+        <p:cNvPr id="1" name=""/>
+        <p:cNvGrpSpPr/>
+        <p:nvPr/>
+      </p:nvGrpSpPr>
+      <p:grpSpPr>
+        <a:xfrm>
+          <a:off x="0" y="0"/>
+          <a:ext cx="0" cy="0"/>
+          <a:chOff x="0" y="0"/>
+          <a:chExt cx="0" cy="0"/>
+        </a:xfrm>
+      </p:grpSpPr>
+      <p:sp>
+        <p:nvSpPr>
+          <p:cNvPr id="2" name="Title 1"/>
+          <p:cNvSpPr>
+            <a:spLocks noGrp="1"/>
+          </p:cNvSpPr>
+          <p:nvPr>
+            <p:ph type="title"/>
+          </p:nvPr>
+        </p:nvSpPr>
+        <p:spPr/>
+        <p:txBody>
+          <a:bodyPr/>
+          <a:lstStyle/>
+          <a:p>
+            <a:r>
+              <a:rPr lang="en-US" dirty="0" smtClean="0"/>
+              <a:t>Conclusions</a:t>
+            </a:r>
+            <a:endParaRPr lang="en-US" dirty="0"/>
+          </a:p>
+        </p:txBody>
+      </p:sp>
+      <p:sp>
+        <p:nvSpPr>
+          <p:cNvPr id="3" name="Content Placeholder 2"/>
+          <p:cNvSpPr>
+            <a:spLocks noGrp="1"/>
+          </p:cNvSpPr>
+          <p:nvPr>
+            <p:ph idx="1"/>
+          </p:nvPr>
+        </p:nvSpPr>
+        <p:spPr/>
+        <p:txBody>
+          <a:bodyPr/>
+          <a:lstStyle/>
+          <a:p>
+            <a:r>
+              <a:rPr lang="en-US" dirty="0" smtClean="0"/>
+              <a:t>Spend in big swingy states</a:t>
+            </a:r>
+          </a:p>
+          <a:p>
+            <a:r>
+              <a:rPr lang="en-US" dirty="0" smtClean="0"/>
+              <a:t>Find swingy states using demographics</a:t>
+            </a:r>
+          </a:p>
+          <a:p>
+            <a:pPr lvl="1"/>
+            <a:r>
+              <a:rPr lang="en-US" dirty="0" smtClean="0"/>
+              <a:t>Behavior isn’t good enough</a:t>
+            </a:r>
+          </a:p>
+          <a:p>
+            <a:pPr lvl="1"/>
+            <a:r>
+              <a:rPr lang="en-US" dirty="0" smtClean="0"/>
+              <a:t>Attitude is expensive and barely better (Census data is free)</a:t>
+            </a:r>
+            <a:endParaRPr lang="en-US" dirty="0"/>
+          </a:p>
+        </p:txBody>
+      </p:sp>
+    </p:spTree>
+    <p:extLst>
+      <p:ext uri="{BB962C8B-B14F-4D97-AF65-F5344CB8AC3E}">
+        <p14:creationId xmlns:p14="http://schemas.microsoft.com/office/powerpoint/2010/main" val="1296470300"/>
+      </p:ext>
+    </p:extLst>
+  </p:cSld>
+  <p:clrMapOvr>
+    <a:masterClrMapping/>
+  </p:clrMapOvr>
+  <p:timing>
+    <p:tnLst>
+      <p:par>
+        <p:cTn id="1" dur="indefinite" restart="never" nodeType="tmRoot"/>
+      </p:par>
+    </p:tnLst>
+  </p:timing>
+</p:sld>
+</file>
+
+<file path=ppt/slides/slide14.xml><?xml version="1.0" encoding="utf-8"?>
+<p:sld xmlns:a="http://schemas.openxmlformats.org/drawingml/2006/main" xmlns:r="http://schemas.openxmlformats.org/officeDocument/2006/relationships" xmlns:p="http://schemas.openxmlformats.org/presentationml/2006/main">
+  <p:cSld>
+    <p:spTree>
+      <p:nvGrpSpPr>
+        <p:cNvPr id="1" name=""/>
+        <p:cNvGrpSpPr/>
+        <p:nvPr/>
+      </p:nvGrpSpPr>
+      <p:grpSpPr>
+        <a:xfrm>
+          <a:off x="0" y="0"/>
+          <a:ext cx="0" cy="0"/>
+          <a:chOff x="0" y="0"/>
+          <a:chExt cx="0" cy="0"/>
+        </a:xfrm>
+      </p:grpSpPr>
+      <p:sp>
+        <p:nvSpPr>
+          <p:cNvPr id="2" name="Title 1"/>
+          <p:cNvSpPr>
+            <a:spLocks noGrp="1"/>
+          </p:cNvSpPr>
+          <p:nvPr>
+            <p:ph type="title"/>
+          </p:nvPr>
+        </p:nvSpPr>
+        <p:spPr/>
+        <p:txBody>
+          <a:bodyPr/>
+          <a:lstStyle/>
+          <a:p>
+            <a:r>
+              <a:rPr lang="en-US" dirty="0" smtClean="0"/>
+              <a:t>Further Research</a:t>
+            </a:r>
+            <a:endParaRPr lang="en-US" dirty="0"/>
+          </a:p>
+        </p:txBody>
+      </p:sp>
+      <p:sp>
+        <p:nvSpPr>
+          <p:cNvPr id="3" name="Content Placeholder 2"/>
+          <p:cNvSpPr>
+            <a:spLocks noGrp="1"/>
+          </p:cNvSpPr>
+          <p:nvPr>
+            <p:ph idx="1"/>
+          </p:nvPr>
+        </p:nvSpPr>
+        <p:spPr/>
+        <p:txBody>
+          <a:bodyPr/>
+          <a:lstStyle/>
+          <a:p>
+            <a:r>
+              <a:rPr lang="en-US" dirty="0" smtClean="0"/>
+              <a:t>Examine at county level</a:t>
+            </a:r>
+          </a:p>
+          <a:p>
+            <a:r>
+              <a:rPr lang="en-US" dirty="0" smtClean="0"/>
+              <a:t>Examine for midterm elections</a:t>
+            </a:r>
+          </a:p>
+          <a:p>
+            <a:pPr marL="0" indent="0">
+              <a:buNone/>
+            </a:pPr>
+            <a:endParaRPr lang="en-US" dirty="0"/>
+          </a:p>
+        </p:txBody>
+      </p:sp>
+    </p:spTree>
+    <p:extLst>
+      <p:ext uri="{BB962C8B-B14F-4D97-AF65-F5344CB8AC3E}">
+        <p14:creationId xmlns:p14="http://schemas.microsoft.com/office/powerpoint/2010/main" val="3028983529"/>
       </p:ext>
     </p:extLst>
   </p:cSld>
@@ -3966,12 +4284,6 @@
           <a:p>
             <a:r>
               <a:rPr lang="en-US" dirty="0" smtClean="0"/>
-              <a:t>Limitations</a:t>
-            </a:r>
-          </a:p>
-          <a:p>
-            <a:r>
-              <a:rPr lang="en-US" dirty="0" smtClean="0"/>
               <a:t>Further Research</a:t>
             </a:r>
           </a:p>
@@ -3994,6 +4306,13 @@
   <p:clrMapOvr>
     <a:masterClrMapping/>
   </p:clrMapOvr>
+  <p:timing>
+    <p:tnLst>
+      <p:par>
+        <p:cTn id="1" dur="indefinite" restart="never" nodeType="tmRoot"/>
+      </p:par>
+    </p:tnLst>
+  </p:timing>
 </p:sld>
 </file>
 
